--- a/doc/Demo3- Curso .NET Core.pptx
+++ b/doc/Demo3- Curso .NET Core.pptx
@@ -7,6 +7,13 @@
   <p:sldIdLst>
     <p:sldId id="256" r:id="rId2"/>
     <p:sldId id="258" r:id="rId3"/>
+    <p:sldId id="259" r:id="rId4"/>
+    <p:sldId id="260" r:id="rId5"/>
+    <p:sldId id="261" r:id="rId6"/>
+    <p:sldId id="263" r:id="rId7"/>
+    <p:sldId id="264" r:id="rId8"/>
+    <p:sldId id="265" r:id="rId9"/>
+    <p:sldId id="266" r:id="rId10"/>
   </p:sldIdLst>
   <p:sldSz cx="12192000" cy="6858000"/>
   <p:notesSz cx="6858000" cy="9144000"/>
@@ -4076,7 +4083,7 @@
           <a:p>
             <a:r>
               <a:rPr lang="es-ES" dirty="0"/>
-              <a:t>Integración de </a:t>
+              <a:t>Pequeña Integración de </a:t>
             </a:r>
             <a:r>
               <a:rPr lang="es-ES" dirty="0" err="1"/>
@@ -4088,14 +4095,8 @@
             </a:r>
             <a:r>
               <a:rPr lang="es-ES" dirty="0" err="1"/>
-              <a:t>serilog</a:t>
-            </a:r>
-            <a:endParaRPr lang="es-ES" dirty="0"/>
-          </a:p>
-          <a:p>
-            <a:pPr marL="530352" lvl="1" indent="0">
-              <a:buNone/>
-            </a:pPr>
+              <a:t>Serilog</a:t>
+            </a:r>
             <a:endParaRPr lang="es-ES" dirty="0"/>
           </a:p>
           <a:p>
@@ -4110,6 +4111,1466 @@
     <p:extLst>
       <p:ext uri="{BB962C8B-B14F-4D97-AF65-F5344CB8AC3E}">
         <p14:creationId xmlns:p14="http://schemas.microsoft.com/office/powerpoint/2010/main" val="1949208881"/>
+      </p:ext>
+    </p:extLst>
+  </p:cSld>
+  <p:clrMapOvr>
+    <a:masterClrMapping/>
+  </p:clrMapOvr>
+</p:sld>
+</file>
+
+<file path=ppt/slides/slide3.xml><?xml version="1.0" encoding="utf-8"?>
+<p:sld xmlns:a="http://schemas.openxmlformats.org/drawingml/2006/main" xmlns:r="http://schemas.openxmlformats.org/officeDocument/2006/relationships" xmlns:p="http://schemas.openxmlformats.org/presentationml/2006/main">
+  <p:cSld>
+    <p:spTree>
+      <p:nvGrpSpPr>
+        <p:cNvPr id="1" name=""/>
+        <p:cNvGrpSpPr/>
+        <p:nvPr/>
+      </p:nvGrpSpPr>
+      <p:grpSpPr>
+        <a:xfrm>
+          <a:off x="0" y="0"/>
+          <a:ext cx="0" cy="0"/>
+          <a:chOff x="0" y="0"/>
+          <a:chExt cx="0" cy="0"/>
+        </a:xfrm>
+      </p:grpSpPr>
+      <p:sp>
+        <p:nvSpPr>
+          <p:cNvPr id="2" name="Título 1">
+            <a:extLst>
+              <a:ext uri="{FF2B5EF4-FFF2-40B4-BE49-F238E27FC236}">
+                <a16:creationId xmlns:a16="http://schemas.microsoft.com/office/drawing/2014/main" id="{53F090D9-E60E-49FC-8B69-B9FA372435BF}"/>
+              </a:ext>
+            </a:extLst>
+          </p:cNvPr>
+          <p:cNvSpPr>
+            <a:spLocks noGrp="1"/>
+          </p:cNvSpPr>
+          <p:nvPr>
+            <p:ph type="title"/>
+          </p:nvPr>
+        </p:nvSpPr>
+        <p:spPr>
+          <a:xfrm>
+            <a:off x="1371600" y="685800"/>
+            <a:ext cx="9601200" cy="1084277"/>
+          </a:xfrm>
+        </p:spPr>
+        <p:txBody>
+          <a:bodyPr/>
+          <a:lstStyle/>
+          <a:p>
+            <a:r>
+              <a:rPr lang="es-ES" dirty="0" err="1"/>
+              <a:t>Loggers</a:t>
+            </a:r>
+            <a:r>
+              <a:rPr lang="es-ES" dirty="0"/>
+              <a:t> en .NET Core</a:t>
+            </a:r>
+          </a:p>
+        </p:txBody>
+      </p:sp>
+      <p:sp>
+        <p:nvSpPr>
+          <p:cNvPr id="3" name="Marcador de contenido 2">
+            <a:extLst>
+              <a:ext uri="{FF2B5EF4-FFF2-40B4-BE49-F238E27FC236}">
+                <a16:creationId xmlns:a16="http://schemas.microsoft.com/office/drawing/2014/main" id="{A478E83F-D88C-4D6D-81B8-F2DCADFB5264}"/>
+              </a:ext>
+            </a:extLst>
+          </p:cNvPr>
+          <p:cNvSpPr>
+            <a:spLocks noGrp="1"/>
+          </p:cNvSpPr>
+          <p:nvPr>
+            <p:ph idx="1"/>
+          </p:nvPr>
+        </p:nvSpPr>
+        <p:spPr>
+          <a:xfrm>
+            <a:off x="1371600" y="1602297"/>
+            <a:ext cx="9601200" cy="4265103"/>
+          </a:xfrm>
+        </p:spPr>
+        <p:txBody>
+          <a:bodyPr/>
+          <a:lstStyle/>
+          <a:p>
+            <a:r>
+              <a:rPr lang="es-ES" dirty="0"/>
+              <a:t>El </a:t>
+            </a:r>
+            <a:r>
+              <a:rPr lang="es-ES" dirty="0" err="1"/>
+              <a:t>framework</a:t>
+            </a:r>
+            <a:r>
+              <a:rPr lang="es-ES" dirty="0"/>
+              <a:t> .NET Core viene integrado con un servidor logs interno capaz de realizar trazas de errores, </a:t>
+            </a:r>
+            <a:r>
+              <a:rPr lang="es-ES" dirty="0" err="1"/>
+              <a:t>debug</a:t>
+            </a:r>
+            <a:r>
+              <a:rPr lang="es-ES" dirty="0"/>
+              <a:t>, </a:t>
+            </a:r>
+            <a:r>
+              <a:rPr lang="es-ES" dirty="0" err="1"/>
+              <a:t>information</a:t>
+            </a:r>
+            <a:r>
+              <a:rPr lang="es-ES" dirty="0"/>
+              <a:t>, etc.</a:t>
+            </a:r>
+          </a:p>
+          <a:p>
+            <a:r>
+              <a:rPr lang="es-ES" dirty="0"/>
+              <a:t>El </a:t>
+            </a:r>
+            <a:r>
+              <a:rPr lang="es-ES" dirty="0" err="1"/>
+              <a:t>Loggers</a:t>
+            </a:r>
+            <a:r>
+              <a:rPr lang="es-ES" dirty="0"/>
+              <a:t> de .NET Core funciona mediante inyección de dependencias con el objeto </a:t>
+            </a:r>
+            <a:r>
+              <a:rPr lang="es-ES" dirty="0" err="1"/>
+              <a:t>ILogger</a:t>
+            </a:r>
+            <a:r>
+              <a:rPr lang="es-ES" dirty="0"/>
+              <a:t>, inyectable en cualquier clase del código.</a:t>
+            </a:r>
+          </a:p>
+          <a:p>
+            <a:r>
+              <a:rPr lang="es-ES" dirty="0"/>
+              <a:t>El </a:t>
+            </a:r>
+            <a:r>
+              <a:rPr lang="es-ES" dirty="0" err="1"/>
+              <a:t>Logger</a:t>
+            </a:r>
+            <a:r>
+              <a:rPr lang="es-ES" dirty="0"/>
+              <a:t> de .NET Core se integra con facilidad con sistemas de logs de terceros como es el caso de </a:t>
+            </a:r>
+            <a:r>
+              <a:rPr lang="es-ES" dirty="0" err="1"/>
+              <a:t>SeriLog</a:t>
+            </a:r>
+            <a:r>
+              <a:rPr lang="es-ES" dirty="0"/>
+              <a:t>, Log4Net, </a:t>
+            </a:r>
+            <a:r>
+              <a:rPr lang="es-ES" dirty="0" err="1"/>
+              <a:t>Nlog</a:t>
+            </a:r>
+            <a:r>
+              <a:rPr lang="es-ES" dirty="0"/>
+              <a:t>, etc.</a:t>
+            </a:r>
+          </a:p>
+          <a:p>
+            <a:r>
+              <a:rPr lang="es-ES" dirty="0"/>
+              <a:t>Para utilizar está característica es necesario tener instalado </a:t>
+            </a:r>
+            <a:r>
+              <a:rPr lang="es-ES" b="1" dirty="0" err="1"/>
+              <a:t>Microsoft.Extensions.Logging</a:t>
+            </a:r>
+            <a:r>
+              <a:rPr lang="es-ES" b="1" dirty="0"/>
+              <a:t>, </a:t>
+            </a:r>
+            <a:r>
+              <a:rPr lang="es-ES" dirty="0"/>
+              <a:t>o un paquete que lo contenga, si utilizamos la plantilla API-REST de visual </a:t>
+            </a:r>
+            <a:r>
+              <a:rPr lang="es-ES" dirty="0" err="1"/>
+              <a:t>studio</a:t>
+            </a:r>
+            <a:r>
+              <a:rPr lang="es-ES" dirty="0"/>
+              <a:t> ya disponemos de un paquete que incluye el servicio de Logs</a:t>
+            </a:r>
+            <a:endParaRPr lang="es-ES" b="1" dirty="0"/>
+          </a:p>
+        </p:txBody>
+      </p:sp>
+    </p:spTree>
+    <p:extLst>
+      <p:ext uri="{BB962C8B-B14F-4D97-AF65-F5344CB8AC3E}">
+        <p14:creationId xmlns:p14="http://schemas.microsoft.com/office/powerpoint/2010/main" val="2335631243"/>
+      </p:ext>
+    </p:extLst>
+  </p:cSld>
+  <p:clrMapOvr>
+    <a:masterClrMapping/>
+  </p:clrMapOvr>
+</p:sld>
+</file>
+
+<file path=ppt/slides/slide4.xml><?xml version="1.0" encoding="utf-8"?>
+<p:sld xmlns:a="http://schemas.openxmlformats.org/drawingml/2006/main" xmlns:r="http://schemas.openxmlformats.org/officeDocument/2006/relationships" xmlns:p="http://schemas.openxmlformats.org/presentationml/2006/main">
+  <p:cSld>
+    <p:spTree>
+      <p:nvGrpSpPr>
+        <p:cNvPr id="1" name=""/>
+        <p:cNvGrpSpPr/>
+        <p:nvPr/>
+      </p:nvGrpSpPr>
+      <p:grpSpPr>
+        <a:xfrm>
+          <a:off x="0" y="0"/>
+          <a:ext cx="0" cy="0"/>
+          <a:chOff x="0" y="0"/>
+          <a:chExt cx="0" cy="0"/>
+        </a:xfrm>
+      </p:grpSpPr>
+      <p:sp>
+        <p:nvSpPr>
+          <p:cNvPr id="2" name="Título 1">
+            <a:extLst>
+              <a:ext uri="{FF2B5EF4-FFF2-40B4-BE49-F238E27FC236}">
+                <a16:creationId xmlns:a16="http://schemas.microsoft.com/office/drawing/2014/main" id="{9C905D42-C820-4197-9D82-F636E1A5FDC5}"/>
+              </a:ext>
+            </a:extLst>
+          </p:cNvPr>
+          <p:cNvSpPr>
+            <a:spLocks noGrp="1"/>
+          </p:cNvSpPr>
+          <p:nvPr>
+            <p:ph type="title"/>
+          </p:nvPr>
+        </p:nvSpPr>
+        <p:spPr>
+          <a:xfrm>
+            <a:off x="1371600" y="685800"/>
+            <a:ext cx="9601200" cy="832607"/>
+          </a:xfrm>
+        </p:spPr>
+        <p:txBody>
+          <a:bodyPr/>
+          <a:lstStyle/>
+          <a:p>
+            <a:r>
+              <a:rPr lang="es-ES" dirty="0"/>
+              <a:t>Objeto </a:t>
+            </a:r>
+            <a:r>
+              <a:rPr lang="es-ES" dirty="0" err="1"/>
+              <a:t>ILogger</a:t>
+            </a:r>
+            <a:endParaRPr lang="es-ES" dirty="0"/>
+          </a:p>
+        </p:txBody>
+      </p:sp>
+      <p:sp>
+        <p:nvSpPr>
+          <p:cNvPr id="3" name="Marcador de contenido 2">
+            <a:extLst>
+              <a:ext uri="{FF2B5EF4-FFF2-40B4-BE49-F238E27FC236}">
+                <a16:creationId xmlns:a16="http://schemas.microsoft.com/office/drawing/2014/main" id="{9182C429-94C5-434D-8DF4-CE971762C1F6}"/>
+              </a:ext>
+            </a:extLst>
+          </p:cNvPr>
+          <p:cNvSpPr>
+            <a:spLocks noGrp="1"/>
+          </p:cNvSpPr>
+          <p:nvPr>
+            <p:ph idx="1"/>
+          </p:nvPr>
+        </p:nvSpPr>
+        <p:spPr>
+          <a:xfrm>
+            <a:off x="1371600" y="1585519"/>
+            <a:ext cx="9601200" cy="4281881"/>
+          </a:xfrm>
+        </p:spPr>
+        <p:txBody>
+          <a:bodyPr/>
+          <a:lstStyle/>
+          <a:p>
+            <a:r>
+              <a:rPr lang="es-ES" dirty="0"/>
+              <a:t>Para poder usar este servicio de Logs es necesario inyectar en el </a:t>
+            </a:r>
+            <a:r>
+              <a:rPr lang="es-ES" dirty="0" err="1"/>
+              <a:t>ConfigureService</a:t>
+            </a:r>
+            <a:r>
+              <a:rPr lang="es-ES" dirty="0"/>
+              <a:t> el servicio de logs de la siguiente forma:</a:t>
+            </a:r>
+          </a:p>
+          <a:p>
+            <a:pPr lvl="1"/>
+            <a:r>
+              <a:rPr lang="es-ES" dirty="0" err="1"/>
+              <a:t>services.AddLogging</a:t>
+            </a:r>
+            <a:r>
+              <a:rPr lang="es-ES" dirty="0"/>
+              <a:t>();</a:t>
+            </a:r>
+          </a:p>
+          <a:p>
+            <a:r>
+              <a:rPr lang="es-ES" dirty="0"/>
+              <a:t>Por defecto al inyectar el servicio de logs la configuración la configuración que tiene es para que los logs salgan sobra la consola de visual </a:t>
+            </a:r>
+            <a:r>
+              <a:rPr lang="es-ES" dirty="0" err="1"/>
+              <a:t>studio</a:t>
+            </a:r>
+            <a:r>
+              <a:rPr lang="es-ES" dirty="0"/>
+              <a:t>, pero se puede personalizar la configuración de la siguiente forma:</a:t>
+            </a:r>
+          </a:p>
+          <a:p>
+            <a:pPr lvl="1"/>
+            <a:r>
+              <a:rPr lang="es-ES" dirty="0" err="1"/>
+              <a:t>services.AddLogging</a:t>
+            </a:r>
+            <a:r>
+              <a:rPr lang="es-ES" dirty="0"/>
+              <a:t>(</a:t>
+            </a:r>
+            <a:r>
+              <a:rPr lang="es-ES" dirty="0" err="1"/>
+              <a:t>logging</a:t>
+            </a:r>
+            <a:r>
+              <a:rPr lang="es-ES" dirty="0"/>
+              <a:t> =&gt; </a:t>
+            </a:r>
+            <a:r>
+              <a:rPr lang="es-ES" dirty="0" err="1"/>
+              <a:t>logging.AddDebug</a:t>
+            </a:r>
+            <a:r>
+              <a:rPr lang="es-ES" dirty="0"/>
+              <a:t>());</a:t>
+            </a:r>
+          </a:p>
+          <a:p>
+            <a:r>
+              <a:rPr lang="es-ES" dirty="0"/>
+              <a:t>A la hora de inyectar el objeto </a:t>
+            </a:r>
+            <a:r>
+              <a:rPr lang="es-ES" dirty="0" err="1"/>
+              <a:t>ILogger</a:t>
+            </a:r>
+            <a:r>
+              <a:rPr lang="es-ES" dirty="0"/>
+              <a:t> hay que poner un tipo es decir </a:t>
+            </a:r>
+            <a:r>
+              <a:rPr lang="es-ES" dirty="0" err="1"/>
+              <a:t>Ilogger</a:t>
+            </a:r>
+            <a:r>
+              <a:rPr lang="es-ES" dirty="0"/>
+              <a:t>&lt;</a:t>
+            </a:r>
+            <a:r>
+              <a:rPr lang="es-ES" dirty="0" err="1"/>
+              <a:t>NameOfClass</a:t>
+            </a:r>
+            <a:r>
+              <a:rPr lang="es-ES" dirty="0"/>
+              <a:t>&gt; para que la traza sea completa.</a:t>
+            </a:r>
+          </a:p>
+          <a:p>
+            <a:pPr lvl="1"/>
+            <a:endParaRPr lang="es-ES" dirty="0"/>
+          </a:p>
+          <a:p>
+            <a:pPr lvl="1"/>
+            <a:endParaRPr lang="es-ES" dirty="0"/>
+          </a:p>
+        </p:txBody>
+      </p:sp>
+    </p:spTree>
+    <p:extLst>
+      <p:ext uri="{BB962C8B-B14F-4D97-AF65-F5344CB8AC3E}">
+        <p14:creationId xmlns:p14="http://schemas.microsoft.com/office/powerpoint/2010/main" val="1922660011"/>
+      </p:ext>
+    </p:extLst>
+  </p:cSld>
+  <p:clrMapOvr>
+    <a:masterClrMapping/>
+  </p:clrMapOvr>
+</p:sld>
+</file>
+
+<file path=ppt/slides/slide5.xml><?xml version="1.0" encoding="utf-8"?>
+<p:sld xmlns:a="http://schemas.openxmlformats.org/drawingml/2006/main" xmlns:r="http://schemas.openxmlformats.org/officeDocument/2006/relationships" xmlns:p="http://schemas.openxmlformats.org/presentationml/2006/main">
+  <p:cSld>
+    <p:spTree>
+      <p:nvGrpSpPr>
+        <p:cNvPr id="1" name=""/>
+        <p:cNvGrpSpPr/>
+        <p:nvPr/>
+      </p:nvGrpSpPr>
+      <p:grpSpPr>
+        <a:xfrm>
+          <a:off x="0" y="0"/>
+          <a:ext cx="0" cy="0"/>
+          <a:chOff x="0" y="0"/>
+          <a:chExt cx="0" cy="0"/>
+        </a:xfrm>
+      </p:grpSpPr>
+      <p:sp>
+        <p:nvSpPr>
+          <p:cNvPr id="2" name="Título 1">
+            <a:extLst>
+              <a:ext uri="{FF2B5EF4-FFF2-40B4-BE49-F238E27FC236}">
+                <a16:creationId xmlns:a16="http://schemas.microsoft.com/office/drawing/2014/main" id="{609DAD82-F3BE-4373-B2A4-EB6B472D3404}"/>
+              </a:ext>
+            </a:extLst>
+          </p:cNvPr>
+          <p:cNvSpPr>
+            <a:spLocks noGrp="1"/>
+          </p:cNvSpPr>
+          <p:nvPr>
+            <p:ph type="title"/>
+          </p:nvPr>
+        </p:nvSpPr>
+        <p:spPr>
+          <a:xfrm>
+            <a:off x="1371600" y="685800"/>
+            <a:ext cx="9601200" cy="941664"/>
+          </a:xfrm>
+        </p:spPr>
+        <p:txBody>
+          <a:bodyPr/>
+          <a:lstStyle/>
+          <a:p>
+            <a:r>
+              <a:rPr lang="es-ES" dirty="0"/>
+              <a:t>Objeto </a:t>
+            </a:r>
+            <a:r>
+              <a:rPr lang="es-ES" dirty="0" err="1"/>
+              <a:t>ILogger</a:t>
+            </a:r>
+            <a:r>
+              <a:rPr lang="es-ES" dirty="0"/>
+              <a:t> (II)</a:t>
+            </a:r>
+          </a:p>
+        </p:txBody>
+      </p:sp>
+      <p:sp>
+        <p:nvSpPr>
+          <p:cNvPr id="3" name="Marcador de contenido 2">
+            <a:extLst>
+              <a:ext uri="{FF2B5EF4-FFF2-40B4-BE49-F238E27FC236}">
+                <a16:creationId xmlns:a16="http://schemas.microsoft.com/office/drawing/2014/main" id="{43A23326-57A1-464B-A6B2-88B918917083}"/>
+              </a:ext>
+            </a:extLst>
+          </p:cNvPr>
+          <p:cNvSpPr>
+            <a:spLocks noGrp="1"/>
+          </p:cNvSpPr>
+          <p:nvPr>
+            <p:ph idx="1"/>
+          </p:nvPr>
+        </p:nvSpPr>
+        <p:spPr>
+          <a:xfrm>
+            <a:off x="1371600" y="1627463"/>
+            <a:ext cx="9601200" cy="4379053"/>
+          </a:xfrm>
+        </p:spPr>
+        <p:txBody>
+          <a:bodyPr>
+            <a:normAutofit fontScale="92500" lnSpcReduction="10000"/>
+          </a:bodyPr>
+          <a:lstStyle/>
+          <a:p>
+            <a:r>
+              <a:rPr lang="es-ES" dirty="0"/>
+              <a:t>Ejemplo de uso de logs con la consola de visual </a:t>
+            </a:r>
+            <a:r>
+              <a:rPr lang="es-ES" dirty="0" err="1"/>
+              <a:t>studio</a:t>
+            </a:r>
+            <a:r>
+              <a:rPr lang="es-ES" dirty="0"/>
+              <a:t>:</a:t>
+            </a:r>
+          </a:p>
+          <a:p>
+            <a:endParaRPr lang="es-ES" dirty="0"/>
+          </a:p>
+          <a:p>
+            <a:endParaRPr lang="es-ES" dirty="0"/>
+          </a:p>
+          <a:p>
+            <a:endParaRPr lang="es-ES" dirty="0"/>
+          </a:p>
+          <a:p>
+            <a:endParaRPr lang="es-ES" dirty="0"/>
+          </a:p>
+          <a:p>
+            <a:endParaRPr lang="es-ES" dirty="0"/>
+          </a:p>
+          <a:p>
+            <a:endParaRPr lang="es-ES" dirty="0"/>
+          </a:p>
+          <a:p>
+            <a:endParaRPr lang="es-ES" dirty="0"/>
+          </a:p>
+          <a:p>
+            <a:r>
+              <a:rPr lang="es-ES" dirty="0"/>
+              <a:t>Los logs tienen un nivel de trazas configurable en el fichero </a:t>
+            </a:r>
+            <a:r>
+              <a:rPr lang="es-ES" dirty="0" err="1"/>
+              <a:t>appsetting.json</a:t>
+            </a:r>
+            <a:r>
+              <a:rPr lang="es-ES" dirty="0"/>
+              <a:t> como veremos más adelante.</a:t>
+            </a:r>
+          </a:p>
+          <a:p>
+            <a:r>
+              <a:rPr lang="es-ES" dirty="0"/>
+              <a:t>Esos niveles sirven para establecer desde que nivel quieres que se muestren los logs.</a:t>
+            </a:r>
+          </a:p>
+          <a:p>
+            <a:endParaRPr lang="es-ES" dirty="0"/>
+          </a:p>
+          <a:p>
+            <a:pPr lvl="1"/>
+            <a:endParaRPr lang="es-ES" dirty="0"/>
+          </a:p>
+        </p:txBody>
+      </p:sp>
+      <p:pic>
+        <p:nvPicPr>
+          <p:cNvPr id="5" name="Imagen 4">
+            <a:extLst>
+              <a:ext uri="{FF2B5EF4-FFF2-40B4-BE49-F238E27FC236}">
+                <a16:creationId xmlns:a16="http://schemas.microsoft.com/office/drawing/2014/main" id="{E357213C-BD02-4C20-A06D-4159876993E7}"/>
+              </a:ext>
+            </a:extLst>
+          </p:cNvPr>
+          <p:cNvPicPr>
+            <a:picLocks noChangeAspect="1"/>
+          </p:cNvPicPr>
+          <p:nvPr/>
+        </p:nvPicPr>
+        <p:blipFill>
+          <a:blip r:embed="rId2"/>
+          <a:stretch>
+            <a:fillRect/>
+          </a:stretch>
+        </p:blipFill>
+        <p:spPr>
+          <a:xfrm>
+            <a:off x="1713722" y="2140709"/>
+            <a:ext cx="3755352" cy="2142042"/>
+          </a:xfrm>
+          <a:prstGeom prst="rect">
+            <a:avLst/>
+          </a:prstGeom>
+        </p:spPr>
+      </p:pic>
+      <p:pic>
+        <p:nvPicPr>
+          <p:cNvPr id="6" name="Imagen 5">
+            <a:extLst>
+              <a:ext uri="{FF2B5EF4-FFF2-40B4-BE49-F238E27FC236}">
+                <a16:creationId xmlns:a16="http://schemas.microsoft.com/office/drawing/2014/main" id="{1E87629F-BC2B-4A78-B660-837391C016D4}"/>
+              </a:ext>
+            </a:extLst>
+          </p:cNvPr>
+          <p:cNvPicPr>
+            <a:picLocks noChangeAspect="1"/>
+          </p:cNvPicPr>
+          <p:nvPr/>
+        </p:nvPicPr>
+        <p:blipFill>
+          <a:blip r:embed="rId3"/>
+          <a:stretch>
+            <a:fillRect/>
+          </a:stretch>
+        </p:blipFill>
+        <p:spPr>
+          <a:xfrm>
+            <a:off x="5739604" y="2140709"/>
+            <a:ext cx="4608046" cy="2531181"/>
+          </a:xfrm>
+          <a:prstGeom prst="rect">
+            <a:avLst/>
+          </a:prstGeom>
+        </p:spPr>
+      </p:pic>
+    </p:spTree>
+    <p:extLst>
+      <p:ext uri="{BB962C8B-B14F-4D97-AF65-F5344CB8AC3E}">
+        <p14:creationId xmlns:p14="http://schemas.microsoft.com/office/powerpoint/2010/main" val="1968329673"/>
+      </p:ext>
+    </p:extLst>
+  </p:cSld>
+  <p:clrMapOvr>
+    <a:masterClrMapping/>
+  </p:clrMapOvr>
+</p:sld>
+</file>
+
+<file path=ppt/slides/slide6.xml><?xml version="1.0" encoding="utf-8"?>
+<p:sld xmlns:a="http://schemas.openxmlformats.org/drawingml/2006/main" xmlns:r="http://schemas.openxmlformats.org/officeDocument/2006/relationships" xmlns:p="http://schemas.openxmlformats.org/presentationml/2006/main">
+  <p:cSld>
+    <p:spTree>
+      <p:nvGrpSpPr>
+        <p:cNvPr id="1" name=""/>
+        <p:cNvGrpSpPr/>
+        <p:nvPr/>
+      </p:nvGrpSpPr>
+      <p:grpSpPr>
+        <a:xfrm>
+          <a:off x="0" y="0"/>
+          <a:ext cx="0" cy="0"/>
+          <a:chOff x="0" y="0"/>
+          <a:chExt cx="0" cy="0"/>
+        </a:xfrm>
+      </p:grpSpPr>
+      <p:sp>
+        <p:nvSpPr>
+          <p:cNvPr id="2" name="Título 1">
+            <a:extLst>
+              <a:ext uri="{FF2B5EF4-FFF2-40B4-BE49-F238E27FC236}">
+                <a16:creationId xmlns:a16="http://schemas.microsoft.com/office/drawing/2014/main" id="{D5C5F301-C7B4-478E-A6FF-0A134F3C5FF8}"/>
+              </a:ext>
+            </a:extLst>
+          </p:cNvPr>
+          <p:cNvSpPr>
+            <a:spLocks noGrp="1"/>
+          </p:cNvSpPr>
+          <p:nvPr>
+            <p:ph type="title"/>
+          </p:nvPr>
+        </p:nvSpPr>
+        <p:spPr>
+          <a:xfrm>
+            <a:off x="1371600" y="685800"/>
+            <a:ext cx="9601200" cy="1050721"/>
+          </a:xfrm>
+        </p:spPr>
+        <p:txBody>
+          <a:bodyPr/>
+          <a:lstStyle/>
+          <a:p>
+            <a:r>
+              <a:rPr lang="es-ES" dirty="0"/>
+              <a:t>Objeto </a:t>
+            </a:r>
+            <a:r>
+              <a:rPr lang="es-ES" dirty="0" err="1"/>
+              <a:t>ILogger</a:t>
+            </a:r>
+            <a:r>
+              <a:rPr lang="es-ES" dirty="0"/>
+              <a:t> (III)</a:t>
+            </a:r>
+          </a:p>
+        </p:txBody>
+      </p:sp>
+      <p:sp>
+        <p:nvSpPr>
+          <p:cNvPr id="3" name="Marcador de contenido 2">
+            <a:extLst>
+              <a:ext uri="{FF2B5EF4-FFF2-40B4-BE49-F238E27FC236}">
+                <a16:creationId xmlns:a16="http://schemas.microsoft.com/office/drawing/2014/main" id="{48EE2E0C-AE1E-4EC5-96C7-B17393B8B7E4}"/>
+              </a:ext>
+            </a:extLst>
+          </p:cNvPr>
+          <p:cNvSpPr>
+            <a:spLocks noGrp="1"/>
+          </p:cNvSpPr>
+          <p:nvPr>
+            <p:ph idx="1"/>
+          </p:nvPr>
+        </p:nvSpPr>
+        <p:spPr>
+          <a:xfrm>
+            <a:off x="1371600" y="1736521"/>
+            <a:ext cx="9601200" cy="4924338"/>
+          </a:xfrm>
+        </p:spPr>
+        <p:txBody>
+          <a:bodyPr>
+            <a:normAutofit lnSpcReduction="10000"/>
+          </a:bodyPr>
+          <a:lstStyle/>
+          <a:p>
+            <a:r>
+              <a:rPr lang="es-ES" dirty="0"/>
+              <a:t>A continuación detallamos los diferentes niveles de logs que disponemos desde el más bajo hasta el más alto:</a:t>
+            </a:r>
+          </a:p>
+          <a:p>
+            <a:pPr lvl="1"/>
+            <a:r>
+              <a:rPr lang="es-ES" b="1" dirty="0"/>
+              <a:t>Trace:</a:t>
+            </a:r>
+            <a:r>
+              <a:rPr lang="es-ES" dirty="0"/>
+              <a:t> es el nivel más bajo donde muestra todo el detalle de técnico muy útil para los desarrolladores</a:t>
+            </a:r>
+          </a:p>
+          <a:p>
+            <a:pPr lvl="1"/>
+            <a:r>
+              <a:rPr lang="es-ES" b="1" dirty="0" err="1"/>
+              <a:t>Debug</a:t>
+            </a:r>
+            <a:r>
+              <a:rPr lang="es-ES" b="1" dirty="0"/>
+              <a:t>:</a:t>
+            </a:r>
+            <a:r>
+              <a:rPr lang="es-ES" dirty="0"/>
+              <a:t> este nivel de trazas es utilizado también por desarrolladores cuando están “</a:t>
+            </a:r>
+            <a:r>
+              <a:rPr lang="es-ES" dirty="0" err="1"/>
+              <a:t>debugueando</a:t>
+            </a:r>
+            <a:r>
+              <a:rPr lang="es-ES" dirty="0"/>
+              <a:t>” un código para saber por que método pasa etc. </a:t>
+            </a:r>
+          </a:p>
+          <a:p>
+            <a:pPr lvl="1"/>
+            <a:r>
+              <a:rPr lang="es-ES" b="1" dirty="0" err="1"/>
+              <a:t>Information</a:t>
+            </a:r>
+            <a:r>
+              <a:rPr lang="es-ES" b="1" dirty="0"/>
+              <a:t>:</a:t>
+            </a:r>
+            <a:r>
+              <a:rPr lang="es-ES" dirty="0"/>
+              <a:t> este nivel de traza está enfocado a mostrar el flujo de ejecución de la aplicación, donde el usuario final puede seguir el detalle de esa ejecución.</a:t>
+            </a:r>
+          </a:p>
+          <a:p>
+            <a:pPr lvl="1"/>
+            <a:r>
+              <a:rPr lang="es-ES" b="1" dirty="0" err="1"/>
+              <a:t>Warning</a:t>
+            </a:r>
+            <a:r>
+              <a:rPr lang="es-ES" b="1" dirty="0"/>
+              <a:t>:</a:t>
+            </a:r>
+            <a:r>
+              <a:rPr lang="es-ES" dirty="0"/>
+              <a:t> se debería de utilizar para registrar flujos de ejecución inesperados y al que deberíamos de prestar atención.</a:t>
+            </a:r>
+          </a:p>
+          <a:p>
+            <a:pPr lvl="1"/>
+            <a:r>
+              <a:rPr lang="es-ES" b="1" dirty="0"/>
+              <a:t>Error:</a:t>
+            </a:r>
+            <a:r>
+              <a:rPr lang="es-ES" dirty="0"/>
+              <a:t> este nivel de logs está destinado errores en la aplicación como por ejemplo un guardado en base de datos.</a:t>
+            </a:r>
+          </a:p>
+          <a:p>
+            <a:pPr lvl="1"/>
+            <a:r>
+              <a:rPr lang="es-ES" b="1" dirty="0" err="1"/>
+              <a:t>Critical</a:t>
+            </a:r>
+            <a:r>
+              <a:rPr lang="es-ES" b="1" dirty="0"/>
+              <a:t>:</a:t>
+            </a:r>
+            <a:r>
+              <a:rPr lang="es-ES" dirty="0"/>
+              <a:t> este nivel está reservados para errores críticos que requieren atención inmediata ya que se necesita de una atención técnica para poder restablecer el funcionamiento de la app.</a:t>
+            </a:r>
+          </a:p>
+          <a:p>
+            <a:endParaRPr lang="es-ES" dirty="0"/>
+          </a:p>
+        </p:txBody>
+      </p:sp>
+    </p:spTree>
+    <p:extLst>
+      <p:ext uri="{BB962C8B-B14F-4D97-AF65-F5344CB8AC3E}">
+        <p14:creationId xmlns:p14="http://schemas.microsoft.com/office/powerpoint/2010/main" val="2753462788"/>
+      </p:ext>
+    </p:extLst>
+  </p:cSld>
+  <p:clrMapOvr>
+    <a:masterClrMapping/>
+  </p:clrMapOvr>
+</p:sld>
+</file>
+
+<file path=ppt/slides/slide7.xml><?xml version="1.0" encoding="utf-8"?>
+<p:sld xmlns:a="http://schemas.openxmlformats.org/drawingml/2006/main" xmlns:r="http://schemas.openxmlformats.org/officeDocument/2006/relationships" xmlns:p="http://schemas.openxmlformats.org/presentationml/2006/main">
+  <p:cSld>
+    <p:spTree>
+      <p:nvGrpSpPr>
+        <p:cNvPr id="1" name=""/>
+        <p:cNvGrpSpPr/>
+        <p:nvPr/>
+      </p:nvGrpSpPr>
+      <p:grpSpPr>
+        <a:xfrm>
+          <a:off x="0" y="0"/>
+          <a:ext cx="0" cy="0"/>
+          <a:chOff x="0" y="0"/>
+          <a:chExt cx="0" cy="0"/>
+        </a:xfrm>
+      </p:grpSpPr>
+      <p:sp>
+        <p:nvSpPr>
+          <p:cNvPr id="2" name="Título 1">
+            <a:extLst>
+              <a:ext uri="{FF2B5EF4-FFF2-40B4-BE49-F238E27FC236}">
+                <a16:creationId xmlns:a16="http://schemas.microsoft.com/office/drawing/2014/main" id="{0B90F72D-EC7D-4825-B219-ADF6735DC72D}"/>
+              </a:ext>
+            </a:extLst>
+          </p:cNvPr>
+          <p:cNvSpPr>
+            <a:spLocks noGrp="1"/>
+          </p:cNvSpPr>
+          <p:nvPr>
+            <p:ph type="title"/>
+          </p:nvPr>
+        </p:nvSpPr>
+        <p:spPr>
+          <a:xfrm>
+            <a:off x="1371600" y="685800"/>
+            <a:ext cx="9601200" cy="950053"/>
+          </a:xfrm>
+        </p:spPr>
+        <p:txBody>
+          <a:bodyPr/>
+          <a:lstStyle/>
+          <a:p>
+            <a:r>
+              <a:rPr lang="es-ES" dirty="0"/>
+              <a:t>Objeto </a:t>
+            </a:r>
+            <a:r>
+              <a:rPr lang="es-ES" dirty="0" err="1"/>
+              <a:t>ILogger</a:t>
+            </a:r>
+            <a:r>
+              <a:rPr lang="es-ES" dirty="0"/>
+              <a:t> (IV)</a:t>
+            </a:r>
+          </a:p>
+        </p:txBody>
+      </p:sp>
+      <p:sp>
+        <p:nvSpPr>
+          <p:cNvPr id="3" name="Marcador de contenido 2">
+            <a:extLst>
+              <a:ext uri="{FF2B5EF4-FFF2-40B4-BE49-F238E27FC236}">
+                <a16:creationId xmlns:a16="http://schemas.microsoft.com/office/drawing/2014/main" id="{F62F8EBC-27E3-4E7E-8520-FEBE33EDE695}"/>
+              </a:ext>
+            </a:extLst>
+          </p:cNvPr>
+          <p:cNvSpPr>
+            <a:spLocks noGrp="1"/>
+          </p:cNvSpPr>
+          <p:nvPr>
+            <p:ph idx="1"/>
+          </p:nvPr>
+        </p:nvSpPr>
+        <p:spPr>
+          <a:xfrm>
+            <a:off x="1371600" y="1501629"/>
+            <a:ext cx="9601200" cy="4365771"/>
+          </a:xfrm>
+        </p:spPr>
+        <p:txBody>
+          <a:bodyPr/>
+          <a:lstStyle/>
+          <a:p>
+            <a:r>
+              <a:rPr lang="es-ES" dirty="0"/>
+              <a:t>Para configurar el nivel de trazas podemos hacerlo en el </a:t>
+            </a:r>
+            <a:r>
+              <a:rPr lang="es-ES" dirty="0" err="1"/>
+              <a:t>appsetting.json</a:t>
+            </a:r>
+            <a:r>
+              <a:rPr lang="es-ES" dirty="0"/>
+              <a:t> y por defecto nos establece estos valores:</a:t>
+            </a:r>
+          </a:p>
+          <a:p>
+            <a:endParaRPr lang="es-ES" dirty="0"/>
+          </a:p>
+          <a:p>
+            <a:endParaRPr lang="es-ES" dirty="0"/>
+          </a:p>
+          <a:p>
+            <a:endParaRPr lang="es-ES" dirty="0"/>
+          </a:p>
+          <a:p>
+            <a:r>
+              <a:rPr lang="es-ES" dirty="0"/>
+              <a:t>La configuración que viene por defecto en la plantilla API-REST de visual </a:t>
+            </a:r>
+            <a:r>
+              <a:rPr lang="es-ES" dirty="0" err="1"/>
+              <a:t>studio</a:t>
+            </a:r>
+            <a:r>
+              <a:rPr lang="es-ES" dirty="0"/>
+              <a:t> es que solo se mostrarán logs desde el nivel </a:t>
+            </a:r>
+            <a:r>
+              <a:rPr lang="es-ES" dirty="0" err="1"/>
+              <a:t>Information</a:t>
+            </a:r>
+            <a:r>
+              <a:rPr lang="es-ES" dirty="0"/>
+              <a:t> en adelante.</a:t>
+            </a:r>
+          </a:p>
+          <a:p>
+            <a:r>
+              <a:rPr lang="es-ES" dirty="0"/>
+              <a:t>Por otra parte en las trazas de Microsoft solo mostraremos desde el nivel </a:t>
+            </a:r>
+            <a:r>
+              <a:rPr lang="es-ES" dirty="0" err="1"/>
+              <a:t>warning</a:t>
+            </a:r>
+            <a:r>
+              <a:rPr lang="es-ES" dirty="0"/>
+              <a:t> en adelante.   </a:t>
+            </a:r>
+          </a:p>
+          <a:p>
+            <a:endParaRPr lang="es-ES" dirty="0"/>
+          </a:p>
+          <a:p>
+            <a:pPr lvl="1"/>
+            <a:endParaRPr lang="es-ES" dirty="0"/>
+          </a:p>
+        </p:txBody>
+      </p:sp>
+      <p:pic>
+        <p:nvPicPr>
+          <p:cNvPr id="4" name="Imagen 3">
+            <a:extLst>
+              <a:ext uri="{FF2B5EF4-FFF2-40B4-BE49-F238E27FC236}">
+                <a16:creationId xmlns:a16="http://schemas.microsoft.com/office/drawing/2014/main" id="{691F0901-2685-437B-A4B2-54109D752A1A}"/>
+              </a:ext>
+            </a:extLst>
+          </p:cNvPr>
+          <p:cNvPicPr>
+            <a:picLocks noChangeAspect="1"/>
+          </p:cNvPicPr>
+          <p:nvPr/>
+        </p:nvPicPr>
+        <p:blipFill>
+          <a:blip r:embed="rId2"/>
+          <a:stretch>
+            <a:fillRect/>
+          </a:stretch>
+        </p:blipFill>
+        <p:spPr>
+          <a:xfrm>
+            <a:off x="2780425" y="2286000"/>
+            <a:ext cx="3514725" cy="1143000"/>
+          </a:xfrm>
+          <a:prstGeom prst="rect">
+            <a:avLst/>
+          </a:prstGeom>
+        </p:spPr>
+      </p:pic>
+    </p:spTree>
+    <p:extLst>
+      <p:ext uri="{BB962C8B-B14F-4D97-AF65-F5344CB8AC3E}">
+        <p14:creationId xmlns:p14="http://schemas.microsoft.com/office/powerpoint/2010/main" val="1604810707"/>
+      </p:ext>
+    </p:extLst>
+  </p:cSld>
+  <p:clrMapOvr>
+    <a:masterClrMapping/>
+  </p:clrMapOvr>
+</p:sld>
+</file>
+
+<file path=ppt/slides/slide8.xml><?xml version="1.0" encoding="utf-8"?>
+<p:sld xmlns:a="http://schemas.openxmlformats.org/drawingml/2006/main" xmlns:r="http://schemas.openxmlformats.org/officeDocument/2006/relationships" xmlns:p="http://schemas.openxmlformats.org/presentationml/2006/main">
+  <p:cSld>
+    <p:spTree>
+      <p:nvGrpSpPr>
+        <p:cNvPr id="1" name=""/>
+        <p:cNvGrpSpPr/>
+        <p:nvPr/>
+      </p:nvGrpSpPr>
+      <p:grpSpPr>
+        <a:xfrm>
+          <a:off x="0" y="0"/>
+          <a:ext cx="0" cy="0"/>
+          <a:chOff x="0" y="0"/>
+          <a:chExt cx="0" cy="0"/>
+        </a:xfrm>
+      </p:grpSpPr>
+      <p:sp>
+        <p:nvSpPr>
+          <p:cNvPr id="2" name="Título 1">
+            <a:extLst>
+              <a:ext uri="{FF2B5EF4-FFF2-40B4-BE49-F238E27FC236}">
+                <a16:creationId xmlns:a16="http://schemas.microsoft.com/office/drawing/2014/main" id="{CD9D542A-E41D-45D0-AC16-86C0EE21A532}"/>
+              </a:ext>
+            </a:extLst>
+          </p:cNvPr>
+          <p:cNvSpPr>
+            <a:spLocks noGrp="1"/>
+          </p:cNvSpPr>
+          <p:nvPr>
+            <p:ph type="title"/>
+          </p:nvPr>
+        </p:nvSpPr>
+        <p:spPr>
+          <a:xfrm>
+            <a:off x="1371600" y="685800"/>
+            <a:ext cx="9601200" cy="799051"/>
+          </a:xfrm>
+        </p:spPr>
+        <p:txBody>
+          <a:bodyPr>
+            <a:normAutofit fontScale="90000"/>
+          </a:bodyPr>
+          <a:lstStyle/>
+          <a:p>
+            <a:r>
+              <a:rPr lang="es-ES" dirty="0"/>
+              <a:t>Pequeña Integración de </a:t>
+            </a:r>
+            <a:r>
+              <a:rPr lang="es-ES" dirty="0" err="1"/>
+              <a:t>ILogger</a:t>
+            </a:r>
+            <a:r>
+              <a:rPr lang="es-ES" dirty="0"/>
+              <a:t> con </a:t>
+            </a:r>
+            <a:r>
+              <a:rPr lang="es-ES" dirty="0" err="1"/>
+              <a:t>Serilog</a:t>
+            </a:r>
+            <a:br>
+              <a:rPr lang="es-ES" dirty="0"/>
+            </a:br>
+            <a:endParaRPr lang="es-ES" dirty="0"/>
+          </a:p>
+        </p:txBody>
+      </p:sp>
+      <p:sp>
+        <p:nvSpPr>
+          <p:cNvPr id="3" name="Marcador de contenido 2">
+            <a:extLst>
+              <a:ext uri="{FF2B5EF4-FFF2-40B4-BE49-F238E27FC236}">
+                <a16:creationId xmlns:a16="http://schemas.microsoft.com/office/drawing/2014/main" id="{A32CEC5B-C916-43A8-9C40-94EB54BDD4A4}"/>
+              </a:ext>
+            </a:extLst>
+          </p:cNvPr>
+          <p:cNvSpPr>
+            <a:spLocks noGrp="1"/>
+          </p:cNvSpPr>
+          <p:nvPr>
+            <p:ph idx="1"/>
+          </p:nvPr>
+        </p:nvSpPr>
+        <p:spPr>
+          <a:xfrm>
+            <a:off x="1371600" y="1484851"/>
+            <a:ext cx="9601200" cy="5046578"/>
+          </a:xfrm>
+        </p:spPr>
+        <p:txBody>
+          <a:bodyPr/>
+          <a:lstStyle/>
+          <a:p>
+            <a:r>
+              <a:rPr lang="es-ES" dirty="0"/>
+              <a:t>Podemos extender la funcionalidad de los logs de .NET Core utilizando </a:t>
+            </a:r>
+            <a:r>
+              <a:rPr lang="es-ES" dirty="0" err="1"/>
+              <a:t>SeriLog</a:t>
+            </a:r>
+            <a:r>
+              <a:rPr lang="es-ES" dirty="0"/>
+              <a:t>.</a:t>
+            </a:r>
+          </a:p>
+          <a:p>
+            <a:r>
+              <a:rPr lang="es-ES" dirty="0"/>
+              <a:t>Vamos a instalar el siguiente </a:t>
+            </a:r>
+            <a:r>
+              <a:rPr lang="es-ES" dirty="0" err="1"/>
+              <a:t>nuget</a:t>
+            </a:r>
+            <a:r>
+              <a:rPr lang="es-ES" dirty="0"/>
+              <a:t>: </a:t>
+            </a:r>
+            <a:r>
+              <a:rPr lang="es-ES" b="1" dirty="0" err="1"/>
+              <a:t>SeriLog.Extenxions.Logging.File</a:t>
+            </a:r>
+            <a:r>
+              <a:rPr lang="es-ES" b="1" dirty="0"/>
+              <a:t> </a:t>
+            </a:r>
+            <a:r>
+              <a:rPr lang="es-ES" dirty="0"/>
+              <a:t>que nos permite volcar los logs a un fichero de texto utilizando la potencia de </a:t>
+            </a:r>
+            <a:r>
+              <a:rPr lang="es-ES" dirty="0" err="1"/>
+              <a:t>SeriLog</a:t>
+            </a:r>
+            <a:endParaRPr lang="es-ES" b="1" dirty="0"/>
+          </a:p>
+          <a:p>
+            <a:r>
+              <a:rPr lang="es-ES" dirty="0"/>
+              <a:t>Utilizamos la instancia de </a:t>
+            </a:r>
+            <a:r>
+              <a:rPr lang="es-ES" dirty="0" err="1"/>
+              <a:t>ILoggerFactory</a:t>
+            </a:r>
+            <a:r>
+              <a:rPr lang="es-ES" dirty="0"/>
+              <a:t> disponible por el sistema de inyección de dependencias de la siguiente forma:</a:t>
+            </a:r>
+          </a:p>
+          <a:p>
+            <a:endParaRPr lang="es-ES" dirty="0"/>
+          </a:p>
+          <a:p>
+            <a:endParaRPr lang="es-ES" dirty="0"/>
+          </a:p>
+          <a:p>
+            <a:r>
+              <a:rPr lang="es-ES" dirty="0"/>
+              <a:t>De esta forma tendríamos los logs en un fichero de texto </a:t>
+            </a:r>
+            <a:r>
+              <a:rPr lang="es-ES" dirty="0" err="1"/>
+              <a:t>txt</a:t>
+            </a:r>
+            <a:r>
+              <a:rPr lang="es-ES" dirty="0"/>
+              <a:t>: </a:t>
+            </a:r>
+          </a:p>
+          <a:p>
+            <a:endParaRPr lang="es-ES" dirty="0"/>
+          </a:p>
+          <a:p>
+            <a:endParaRPr lang="es-ES" dirty="0"/>
+          </a:p>
+          <a:p>
+            <a:pPr marL="0" indent="0">
+              <a:buNone/>
+            </a:pPr>
+            <a:r>
+              <a:rPr lang="es-ES" dirty="0"/>
+              <a:t>		</a:t>
+            </a:r>
+          </a:p>
+          <a:p>
+            <a:pPr marL="0" indent="0">
+              <a:buNone/>
+            </a:pPr>
+            <a:r>
+              <a:rPr lang="es-ES" dirty="0"/>
+              <a:t>			                </a:t>
+            </a:r>
+            <a:r>
+              <a:rPr lang="es-ES" b="1" dirty="0">
+                <a:solidFill>
+                  <a:schemeClr val="accent5">
+                    <a:lumMod val="75000"/>
+                  </a:schemeClr>
+                </a:solidFill>
+              </a:rPr>
+              <a:t>(DEMO)</a:t>
+            </a:r>
+          </a:p>
+          <a:p>
+            <a:pPr lvl="1"/>
+            <a:endParaRPr lang="es-ES" dirty="0"/>
+          </a:p>
+        </p:txBody>
+      </p:sp>
+      <p:pic>
+        <p:nvPicPr>
+          <p:cNvPr id="10" name="Imagen 9">
+            <a:extLst>
+              <a:ext uri="{FF2B5EF4-FFF2-40B4-BE49-F238E27FC236}">
+                <a16:creationId xmlns:a16="http://schemas.microsoft.com/office/drawing/2014/main" id="{B68BB153-C8D7-4DB6-B739-EBDAD16D501F}"/>
+              </a:ext>
+            </a:extLst>
+          </p:cNvPr>
+          <p:cNvPicPr>
+            <a:picLocks noChangeAspect="1"/>
+          </p:cNvPicPr>
+          <p:nvPr/>
+        </p:nvPicPr>
+        <p:blipFill>
+          <a:blip r:embed="rId2"/>
+          <a:stretch>
+            <a:fillRect/>
+          </a:stretch>
+        </p:blipFill>
+        <p:spPr>
+          <a:xfrm>
+            <a:off x="1953985" y="3429000"/>
+            <a:ext cx="7239000" cy="723900"/>
+          </a:xfrm>
+          <a:prstGeom prst="rect">
+            <a:avLst/>
+          </a:prstGeom>
+        </p:spPr>
+      </p:pic>
+      <p:pic>
+        <p:nvPicPr>
+          <p:cNvPr id="11" name="Imagen 10">
+            <a:extLst>
+              <a:ext uri="{FF2B5EF4-FFF2-40B4-BE49-F238E27FC236}">
+                <a16:creationId xmlns:a16="http://schemas.microsoft.com/office/drawing/2014/main" id="{1C63728E-954B-43FE-81B6-50C7251A01EA}"/>
+              </a:ext>
+            </a:extLst>
+          </p:cNvPr>
+          <p:cNvPicPr>
+            <a:picLocks noChangeAspect="1"/>
+          </p:cNvPicPr>
+          <p:nvPr/>
+        </p:nvPicPr>
+        <p:blipFill>
+          <a:blip r:embed="rId3"/>
+          <a:stretch>
+            <a:fillRect/>
+          </a:stretch>
+        </p:blipFill>
+        <p:spPr>
+          <a:xfrm>
+            <a:off x="2238084" y="4663751"/>
+            <a:ext cx="6396574" cy="971939"/>
+          </a:xfrm>
+          <a:prstGeom prst="rect">
+            <a:avLst/>
+          </a:prstGeom>
+        </p:spPr>
+      </p:pic>
+    </p:spTree>
+    <p:extLst>
+      <p:ext uri="{BB962C8B-B14F-4D97-AF65-F5344CB8AC3E}">
+        <p14:creationId xmlns:p14="http://schemas.microsoft.com/office/powerpoint/2010/main" val="1726941137"/>
+      </p:ext>
+    </p:extLst>
+  </p:cSld>
+  <p:clrMapOvr>
+    <a:masterClrMapping/>
+  </p:clrMapOvr>
+</p:sld>
+</file>
+
+<file path=ppt/slides/slide9.xml><?xml version="1.0" encoding="utf-8"?>
+<p:sld xmlns:a="http://schemas.openxmlformats.org/drawingml/2006/main" xmlns:r="http://schemas.openxmlformats.org/officeDocument/2006/relationships" xmlns:p="http://schemas.openxmlformats.org/presentationml/2006/main">
+  <p:cSld>
+    <p:spTree>
+      <p:nvGrpSpPr>
+        <p:cNvPr id="1" name=""/>
+        <p:cNvGrpSpPr/>
+        <p:nvPr/>
+      </p:nvGrpSpPr>
+      <p:grpSpPr>
+        <a:xfrm>
+          <a:off x="0" y="0"/>
+          <a:ext cx="0" cy="0"/>
+          <a:chOff x="0" y="0"/>
+          <a:chExt cx="0" cy="0"/>
+        </a:xfrm>
+      </p:grpSpPr>
+      <p:sp>
+        <p:nvSpPr>
+          <p:cNvPr id="2" name="Título 1">
+            <a:extLst>
+              <a:ext uri="{FF2B5EF4-FFF2-40B4-BE49-F238E27FC236}">
+                <a16:creationId xmlns:a16="http://schemas.microsoft.com/office/drawing/2014/main" id="{249C31CB-BAF6-4366-ABE6-0993F8CAE5C2}"/>
+              </a:ext>
+            </a:extLst>
+          </p:cNvPr>
+          <p:cNvSpPr>
+            <a:spLocks noGrp="1"/>
+          </p:cNvSpPr>
+          <p:nvPr>
+            <p:ph type="title"/>
+          </p:nvPr>
+        </p:nvSpPr>
+        <p:spPr>
+          <a:xfrm>
+            <a:off x="1371600" y="685800"/>
+            <a:ext cx="9601200" cy="840996"/>
+          </a:xfrm>
+        </p:spPr>
+        <p:txBody>
+          <a:bodyPr/>
+          <a:lstStyle/>
+          <a:p>
+            <a:r>
+              <a:rPr lang="es-ES" dirty="0"/>
+              <a:t>Ejercicio práctico</a:t>
+            </a:r>
+          </a:p>
+        </p:txBody>
+      </p:sp>
+      <p:sp>
+        <p:nvSpPr>
+          <p:cNvPr id="3" name="Marcador de contenido 2">
+            <a:extLst>
+              <a:ext uri="{FF2B5EF4-FFF2-40B4-BE49-F238E27FC236}">
+                <a16:creationId xmlns:a16="http://schemas.microsoft.com/office/drawing/2014/main" id="{AC512812-82DC-4EB1-A844-EA819957EC48}"/>
+              </a:ext>
+            </a:extLst>
+          </p:cNvPr>
+          <p:cNvSpPr>
+            <a:spLocks noGrp="1"/>
+          </p:cNvSpPr>
+          <p:nvPr>
+            <p:ph idx="1"/>
+          </p:nvPr>
+        </p:nvSpPr>
+        <p:spPr>
+          <a:xfrm>
+            <a:off x="1371600" y="1451295"/>
+            <a:ext cx="9601200" cy="4416105"/>
+          </a:xfrm>
+        </p:spPr>
+        <p:txBody>
+          <a:bodyPr/>
+          <a:lstStyle/>
+          <a:p>
+            <a:r>
+              <a:rPr lang="es-ES" dirty="0"/>
+              <a:t>Descargar o clonar el siguiente repositorio: </a:t>
+            </a:r>
+            <a:r>
+              <a:rPr lang="es-ES" dirty="0">
+                <a:hlinkClick r:id="rId2"/>
+              </a:rPr>
+              <a:t>https://github.com/dadjh85/Demo3-Curso-.NetCore3.1</a:t>
+            </a:r>
+            <a:endParaRPr lang="es-ES" dirty="0"/>
+          </a:p>
+          <a:p>
+            <a:r>
+              <a:rPr lang="es-ES" dirty="0"/>
+              <a:t>Crear un nuevo controlador que se llame </a:t>
+            </a:r>
+            <a:r>
+              <a:rPr lang="es-ES" dirty="0" err="1"/>
+              <a:t>UserController</a:t>
+            </a:r>
+            <a:r>
+              <a:rPr lang="es-ES" dirty="0"/>
+              <a:t>, crear un par de métodos dentro del controlador que apunten a rutas diferentes.</a:t>
+            </a:r>
+          </a:p>
+          <a:p>
+            <a:r>
+              <a:rPr lang="es-ES" dirty="0"/>
+              <a:t>Inyectar el objeto </a:t>
+            </a:r>
+            <a:r>
+              <a:rPr lang="es-ES" dirty="0" err="1"/>
+              <a:t>ILogger</a:t>
+            </a:r>
+            <a:r>
+              <a:rPr lang="es-ES" dirty="0"/>
+              <a:t> en este nuevo controlador y escribir un par de logs en los siguientes niveles: </a:t>
+            </a:r>
+            <a:r>
+              <a:rPr lang="es-ES" dirty="0" err="1"/>
+              <a:t>information</a:t>
+            </a:r>
+            <a:r>
+              <a:rPr lang="es-ES" dirty="0"/>
+              <a:t>, </a:t>
+            </a:r>
+            <a:r>
+              <a:rPr lang="es-ES" dirty="0" err="1"/>
+              <a:t>warning</a:t>
+            </a:r>
+            <a:r>
+              <a:rPr lang="es-ES" dirty="0"/>
+              <a:t>, error y </a:t>
+            </a:r>
+            <a:r>
+              <a:rPr lang="es-ES" dirty="0" err="1"/>
+              <a:t>critical</a:t>
+            </a:r>
+            <a:endParaRPr lang="es-ES" dirty="0"/>
+          </a:p>
+          <a:p>
+            <a:r>
+              <a:rPr lang="es-ES" dirty="0"/>
+              <a:t>Ir a las rutas del nuevo controlador y verificar que se han escrito los logs en el fichero de logs en cada uno de esos niveles</a:t>
+            </a:r>
+          </a:p>
+        </p:txBody>
+      </p:sp>
+    </p:spTree>
+    <p:extLst>
+      <p:ext uri="{BB962C8B-B14F-4D97-AF65-F5344CB8AC3E}">
+        <p14:creationId xmlns:p14="http://schemas.microsoft.com/office/powerpoint/2010/main" val="2660287888"/>
       </p:ext>
     </p:extLst>
   </p:cSld>

--- a/doc/Demo3- Curso .NET Core.pptx
+++ b/doc/Demo3- Curso .NET Core.pptx
@@ -290,7 +290,7 @@
             <a:fld id="{87DE6118-2437-4B30-8E3C-4D2BE6020583}" type="datetimeFigureOut">
               <a:rPr lang="en-US" dirty="0"/>
               <a:pPr/>
-              <a:t>7/16/2020</a:t>
+              <a:t>7/20/2020</a:t>
             </a:fld>
             <a:endParaRPr lang="en-US" dirty="0"/>
           </a:p>
@@ -616,7 +616,7 @@
           <a:p>
             <a:fld id="{87DE6118-2437-4B30-8E3C-4D2BE6020583}" type="datetimeFigureOut">
               <a:rPr lang="en-US" dirty="0"/>
-              <a:t>7/16/2020</a:t>
+              <a:t>7/20/2020</a:t>
             </a:fld>
             <a:endParaRPr lang="en-US" dirty="0"/>
           </a:p>
@@ -791,7 +791,7 @@
           <a:p>
             <a:fld id="{87DE6118-2437-4B30-8E3C-4D2BE6020583}" type="datetimeFigureOut">
               <a:rPr lang="en-US" dirty="0"/>
-              <a:t>7/16/2020</a:t>
+              <a:t>7/20/2020</a:t>
             </a:fld>
             <a:endParaRPr lang="en-US" dirty="0"/>
           </a:p>
@@ -956,7 +956,7 @@
           <a:p>
             <a:fld id="{87DE6118-2437-4B30-8E3C-4D2BE6020583}" type="datetimeFigureOut">
               <a:rPr lang="en-US" dirty="0"/>
-              <a:t>7/16/2020</a:t>
+              <a:t>7/20/2020</a:t>
             </a:fld>
             <a:endParaRPr lang="en-US" dirty="0"/>
           </a:p>
@@ -1229,7 +1229,7 @@
             <a:fld id="{87DE6118-2437-4B30-8E3C-4D2BE6020583}" type="datetimeFigureOut">
               <a:rPr lang="en-US" dirty="0"/>
               <a:pPr/>
-              <a:t>7/16/2020</a:t>
+              <a:t>7/20/2020</a:t>
             </a:fld>
             <a:endParaRPr lang="en-US" dirty="0"/>
           </a:p>
@@ -1619,7 +1619,7 @@
           <a:p>
             <a:fld id="{87DE6118-2437-4B30-8E3C-4D2BE6020583}" type="datetimeFigureOut">
               <a:rPr lang="en-US" dirty="0"/>
-              <a:t>7/16/2020</a:t>
+              <a:t>7/20/2020</a:t>
             </a:fld>
             <a:endParaRPr lang="en-US" dirty="0"/>
           </a:p>
@@ -2091,7 +2091,7 @@
           <a:p>
             <a:fld id="{87DE6118-2437-4B30-8E3C-4D2BE6020583}" type="datetimeFigureOut">
               <a:rPr lang="en-US" dirty="0"/>
-              <a:t>7/16/2020</a:t>
+              <a:t>7/20/2020</a:t>
             </a:fld>
             <a:endParaRPr lang="en-US" dirty="0"/>
           </a:p>
@@ -2204,7 +2204,7 @@
           <a:p>
             <a:fld id="{87DE6118-2437-4B30-8E3C-4D2BE6020583}" type="datetimeFigureOut">
               <a:rPr lang="en-US" dirty="0"/>
-              <a:t>7/16/2020</a:t>
+              <a:t>7/20/2020</a:t>
             </a:fld>
             <a:endParaRPr lang="en-US" dirty="0"/>
           </a:p>
@@ -2294,7 +2294,7 @@
           <a:p>
             <a:fld id="{87DE6118-2437-4B30-8E3C-4D2BE6020583}" type="datetimeFigureOut">
               <a:rPr lang="en-US" dirty="0"/>
-              <a:t>7/16/2020</a:t>
+              <a:t>7/20/2020</a:t>
             </a:fld>
             <a:endParaRPr lang="en-US" dirty="0"/>
           </a:p>
@@ -2636,7 +2636,7 @@
             <a:fld id="{87DE6118-2437-4B30-8E3C-4D2BE6020583}" type="datetimeFigureOut">
               <a:rPr lang="en-US" dirty="0"/>
               <a:pPr/>
-              <a:t>7/16/2020</a:t>
+              <a:t>7/20/2020</a:t>
             </a:fld>
             <a:endParaRPr lang="en-US" dirty="0"/>
           </a:p>
@@ -3021,7 +3021,7 @@
             <a:fld id="{87DE6118-2437-4B30-8E3C-4D2BE6020583}" type="datetimeFigureOut">
               <a:rPr lang="en-US" dirty="0"/>
               <a:pPr/>
-              <a:t>7/16/2020</a:t>
+              <a:t>7/20/2020</a:t>
             </a:fld>
             <a:endParaRPr lang="en-US" dirty="0"/>
           </a:p>
@@ -3296,7 +3296,7 @@
             <a:fld id="{87DE6118-2437-4B30-8E3C-4D2BE6020583}" type="datetimeFigureOut">
               <a:rPr lang="en-US" dirty="0"/>
               <a:pPr/>
-              <a:t>7/16/2020</a:t>
+              <a:t>7/20/2020</a:t>
             </a:fld>
             <a:endParaRPr lang="en-US" dirty="0"/>
           </a:p>
